--- a/DS_3주차.pptx
+++ b/DS_3주차.pptx
@@ -5,7 +5,7 @@
     <p:sldMasterId id="2147483672" r:id="rId1"/>
   </p:sldMasterIdLst>
   <p:notesMasterIdLst>
-    <p:notesMasterId r:id="rId21"/>
+    <p:notesMasterId r:id="rId22"/>
   </p:notesMasterIdLst>
   <p:sldIdLst>
     <p:sldId id="256" r:id="rId2"/>
@@ -27,6 +27,7 @@
     <p:sldId id="283" r:id="rId18"/>
     <p:sldId id="284" r:id="rId19"/>
     <p:sldId id="285" r:id="rId20"/>
+    <p:sldId id="294" r:id="rId21"/>
   </p:sldIdLst>
   <p:sldSz cx="9144000" cy="6858000" type="screen4x3"/>
   <p:notesSz cx="6858000" cy="9144000"/>
@@ -5168,7 +5169,7 @@
     <mc:Choice Requires="p14">
       <p:transition/>
     </mc:Choice>
-    <mc:Fallback xmlns="" xmlns:c="http://schemas.openxmlformats.org/drawingml/2006/chart" xmlns:dgm="http://schemas.openxmlformats.org/drawingml/2006/diagram" xmlns:dsp="http://schemas.microsoft.com/office/drawing/2008/diagram">
+    <mc:Fallback xmlns:dsp="http://schemas.microsoft.com/office/drawing/2008/diagram" xmlns:dgm="http://schemas.openxmlformats.org/drawingml/2006/diagram" xmlns:c="http://schemas.openxmlformats.org/drawingml/2006/chart" xmlns="">
       <p:transition/>
     </mc:Fallback>
   </mc:AlternateContent>
@@ -10354,10 +10355,180 @@
     <mc:Choice Requires="p14">
       <p:transition/>
     </mc:Choice>
-    <mc:Fallback xmlns="" xmlns:c="http://schemas.openxmlformats.org/drawingml/2006/chart" xmlns:dgm="http://schemas.openxmlformats.org/drawingml/2006/diagram" xmlns:dsp="http://schemas.microsoft.com/office/drawing/2008/diagram">
+    <mc:Fallback xmlns:dsp="http://schemas.microsoft.com/office/drawing/2008/diagram" xmlns:dgm="http://schemas.openxmlformats.org/drawingml/2006/diagram" xmlns:c="http://schemas.openxmlformats.org/drawingml/2006/chart" xmlns="">
       <p:transition/>
     </mc:Fallback>
   </mc:AlternateContent>
+</p:sld>
+</file>
+
+<file path=ppt/slides/slide20.xml><?xml version="1.0" encoding="utf-8"?>
+<p:sld xmlns:a="http://schemas.openxmlformats.org/drawingml/2006/main" xmlns:r="http://schemas.openxmlformats.org/officeDocument/2006/relationships" xmlns:p="http://schemas.openxmlformats.org/presentationml/2006/main">
+  <p:cSld>
+    <p:spTree>
+      <p:nvGrpSpPr>
+        <p:cNvPr id="1" name=""/>
+        <p:cNvGrpSpPr/>
+        <p:nvPr/>
+      </p:nvGrpSpPr>
+      <p:grpSpPr>
+        <a:xfrm>
+          <a:off x="0" y="0"/>
+          <a:ext cx="0" cy="0"/>
+          <a:chOff x="0" y="0"/>
+          <a:chExt cx="0" cy="0"/>
+        </a:xfrm>
+      </p:grpSpPr>
+      <p:sp>
+        <p:nvSpPr>
+          <p:cNvPr id="2" name="제목 1">
+            <a:extLst>
+              <a:ext uri="{FF2B5EF4-FFF2-40B4-BE49-F238E27FC236}">
+                <a16:creationId xmlns:a16="http://schemas.microsoft.com/office/drawing/2014/main" id="{0E105E33-7E33-5547-B2CA-DA0BD0DBD2C2}"/>
+              </a:ext>
+            </a:extLst>
+          </p:cNvPr>
+          <p:cNvSpPr>
+            <a:spLocks noGrp="1"/>
+          </p:cNvSpPr>
+          <p:nvPr>
+            <p:ph type="title"/>
+          </p:nvPr>
+        </p:nvSpPr>
+        <p:spPr/>
+        <p:txBody>
+          <a:bodyPr/>
+          <a:lstStyle/>
+          <a:p>
+            <a:r>
+              <a:rPr kumimoji="1" lang="ko-KR" altLang="en-US" dirty="0"/>
+              <a:t>과제</a:t>
+            </a:r>
+          </a:p>
+        </p:txBody>
+      </p:sp>
+      <p:sp>
+        <p:nvSpPr>
+          <p:cNvPr id="3" name="내용 개체 틀 2">
+            <a:extLst>
+              <a:ext uri="{FF2B5EF4-FFF2-40B4-BE49-F238E27FC236}">
+                <a16:creationId xmlns:a16="http://schemas.microsoft.com/office/drawing/2014/main" id="{2347EE19-EB7B-3449-BFC9-6BB61CFAF448}"/>
+              </a:ext>
+            </a:extLst>
+          </p:cNvPr>
+          <p:cNvSpPr>
+            <a:spLocks noGrp="1"/>
+          </p:cNvSpPr>
+          <p:nvPr>
+            <p:ph idx="1"/>
+          </p:nvPr>
+        </p:nvSpPr>
+        <p:spPr/>
+        <p:txBody>
+          <a:bodyPr/>
+          <a:lstStyle/>
+          <a:p>
+            <a:r>
+              <a:rPr kumimoji="1" lang="ko-KR" altLang="en-US" dirty="0"/>
+              <a:t>오늘까지 </a:t>
+            </a:r>
+            <a:r>
+              <a:rPr kumimoji="1" lang="en-US" altLang="ko-KR" dirty="0"/>
+              <a:t>ACM </a:t>
+            </a:r>
+            <a:r>
+              <a:rPr kumimoji="1" lang="ko-KR" altLang="en-US" dirty="0"/>
+              <a:t>사이트 회원가입 모두 완료하고</a:t>
+            </a:r>
+            <a:endParaRPr kumimoji="1" lang="en-US" altLang="ko-KR" dirty="0"/>
+          </a:p>
+          <a:p>
+            <a:r>
+              <a:rPr kumimoji="1" lang="ko-KR" altLang="en-US" dirty="0" err="1"/>
+              <a:t>팀별로</a:t>
+            </a:r>
+            <a:r>
+              <a:rPr kumimoji="1" lang="ko-KR" altLang="en-US" dirty="0"/>
+              <a:t> </a:t>
+            </a:r>
+            <a:r>
+              <a:rPr kumimoji="1" lang="en-US" altLang="ko-KR" dirty="0">
+                <a:hlinkClick r:id="rId2"/>
+              </a:rPr>
+              <a:t>wwtkddnjsww@gmail.com</a:t>
+            </a:r>
+            <a:r>
+              <a:rPr kumimoji="1" lang="en-US" altLang="ko-KR" dirty="0"/>
+              <a:t> </a:t>
+            </a:r>
+            <a:r>
+              <a:rPr kumimoji="1" lang="ko-KR" altLang="en-US" dirty="0" err="1"/>
+              <a:t>으로</a:t>
+            </a:r>
+            <a:r>
+              <a:rPr kumimoji="1" lang="ko-KR" altLang="en-US" dirty="0"/>
+              <a:t> </a:t>
+            </a:r>
+            <a:endParaRPr kumimoji="1" lang="en-US" altLang="ko-KR" dirty="0"/>
+          </a:p>
+          <a:p>
+            <a:pPr lvl="1"/>
+            <a:r>
+              <a:rPr kumimoji="1" lang="ko-KR" altLang="en-US"/>
+              <a:t>팀명</a:t>
+            </a:r>
+            <a:endParaRPr kumimoji="1" lang="en-US" altLang="ko-KR" dirty="0"/>
+          </a:p>
+          <a:p>
+            <a:pPr lvl="1"/>
+            <a:r>
+              <a:rPr kumimoji="1" lang="ko-KR" altLang="en-US" dirty="0"/>
+              <a:t>각 </a:t>
+            </a:r>
+            <a:r>
+              <a:rPr kumimoji="1" lang="ko-KR" altLang="en-US" dirty="0" err="1"/>
+              <a:t>팀별</a:t>
+            </a:r>
+            <a:r>
+              <a:rPr kumimoji="1" lang="ko-KR" altLang="en-US" dirty="0"/>
+              <a:t> 팀원 </a:t>
+            </a:r>
+            <a:r>
+              <a:rPr kumimoji="1" lang="en-US" altLang="ko-KR" dirty="0"/>
+              <a:t>3</a:t>
+            </a:r>
+            <a:r>
+              <a:rPr kumimoji="1" lang="ko-KR" altLang="en-US" dirty="0"/>
+              <a:t>명의 이메일 주소 </a:t>
+            </a:r>
+            <a:endParaRPr kumimoji="1" lang="en-US" altLang="ko-KR" dirty="0"/>
+          </a:p>
+          <a:p>
+            <a:pPr marL="0" indent="0">
+              <a:buNone/>
+            </a:pPr>
+            <a:r>
+              <a:rPr kumimoji="1" lang="ko-KR" altLang="en-US" dirty="0"/>
+              <a:t>      제출하기</a:t>
+            </a:r>
+            <a:endParaRPr kumimoji="1" lang="en-US" altLang="ko-KR" dirty="0"/>
+          </a:p>
+          <a:p>
+            <a:pPr lvl="1"/>
+            <a:endParaRPr kumimoji="1" lang="en-US" altLang="ko-KR" dirty="0"/>
+          </a:p>
+        </p:txBody>
+      </p:sp>
+    </p:spTree>
+    <p:extLst>
+      <p:ext uri="{BB962C8B-B14F-4D97-AF65-F5344CB8AC3E}">
+        <p14:creationId xmlns:p14="http://schemas.microsoft.com/office/powerpoint/2010/main" val="2889098111"/>
+      </p:ext>
+    </p:extLst>
+  </p:cSld>
+  <p:clrMapOvr>
+    <a:masterClrMapping/>
+  </p:clrMapOvr>
 </p:sld>
 </file>
 
@@ -13333,7 +13504,7 @@
     <mc:Choice Requires="p14">
       <p:transition/>
     </mc:Choice>
-    <mc:Fallback xmlns="" xmlns:c="http://schemas.openxmlformats.org/drawingml/2006/chart" xmlns:dgm="http://schemas.openxmlformats.org/drawingml/2006/diagram" xmlns:dsp="http://schemas.microsoft.com/office/drawing/2008/diagram">
+    <mc:Fallback xmlns:dsp="http://schemas.microsoft.com/office/drawing/2008/diagram" xmlns:dgm="http://schemas.openxmlformats.org/drawingml/2006/diagram" xmlns:c="http://schemas.openxmlformats.org/drawingml/2006/chart" xmlns="">
       <p:transition/>
     </mc:Fallback>
   </mc:AlternateContent>
